--- a/Survey Paper/Survey Paper.pptx
+++ b/Survey Paper/Survey Paper.pptx
@@ -6,17 +6,19 @@
   </p:sldMasterIdLst>
   <p:sldIdLst>
     <p:sldId id="256" r:id="rId2"/>
-    <p:sldId id="257" r:id="rId3"/>
-    <p:sldId id="258" r:id="rId4"/>
-    <p:sldId id="259" r:id="rId5"/>
-    <p:sldId id="260" r:id="rId6"/>
-    <p:sldId id="261" r:id="rId7"/>
-    <p:sldId id="262" r:id="rId8"/>
-    <p:sldId id="263" r:id="rId9"/>
-    <p:sldId id="264" r:id="rId10"/>
-    <p:sldId id="266" r:id="rId11"/>
-    <p:sldId id="265" r:id="rId12"/>
-    <p:sldId id="267" r:id="rId13"/>
+    <p:sldId id="268" r:id="rId3"/>
+    <p:sldId id="257" r:id="rId4"/>
+    <p:sldId id="258" r:id="rId5"/>
+    <p:sldId id="259" r:id="rId6"/>
+    <p:sldId id="260" r:id="rId7"/>
+    <p:sldId id="261" r:id="rId8"/>
+    <p:sldId id="262" r:id="rId9"/>
+    <p:sldId id="263" r:id="rId10"/>
+    <p:sldId id="264" r:id="rId11"/>
+    <p:sldId id="266" r:id="rId12"/>
+    <p:sldId id="265" r:id="rId13"/>
+    <p:sldId id="267" r:id="rId14"/>
+    <p:sldId id="269" r:id="rId15"/>
   </p:sldIdLst>
   <p:sldSz cx="12192000" cy="6858000"/>
   <p:notesSz cx="6858000" cy="9144000"/>
@@ -115,6 +117,11 @@
       </a:defRPr>
     </a:lvl9pPr>
   </p:defaultTextStyle>
+  <p:extLst>
+    <p:ext uri="{EFAFB233-063F-42B5-8137-9DF3F51BA10A}">
+      <p15:sldGuideLst xmlns:p15="http://schemas.microsoft.com/office/powerpoint/2012/main"/>
+    </p:ext>
+  </p:extLst>
 </p:presentation>
 </file>
 
@@ -6190,6 +6197,112 @@
           <a:p>
             <a:r>
               <a:rPr lang="en-US" dirty="0" smtClean="0"/>
+              <a:t>Dynamic Provable Data Possession (DPDP)</a:t>
+            </a:r>
+            <a:endParaRPr lang="en-US" dirty="0"/>
+          </a:p>
+        </p:txBody>
+      </p:sp>
+      <p:sp>
+        <p:nvSpPr>
+          <p:cNvPr id="3" name="Content Placeholder 2"/>
+          <p:cNvSpPr>
+            <a:spLocks noGrp="1"/>
+          </p:cNvSpPr>
+          <p:nvPr>
+            <p:ph idx="1"/>
+          </p:nvPr>
+        </p:nvSpPr>
+        <p:spPr/>
+        <p:txBody>
+          <a:bodyPr/>
+          <a:lstStyle/>
+          <a:p>
+            <a:r>
+              <a:rPr lang="en-US" dirty="0" smtClean="0"/>
+              <a:t>PDP only applies to static, archival storage.  DPDP extends PDP so a client can update (insert, delete or modify a block) the outsourced data while maintaining the data possession guarantees.</a:t>
+            </a:r>
+          </a:p>
+          <a:p>
+            <a:r>
+              <a:rPr lang="en-US" dirty="0" smtClean="0"/>
+              <a:t>Dynamic solution is achieved with a variant of an authenticated dictionary (skip list) where rank information is used to organize dictionary entries.</a:t>
+            </a:r>
+          </a:p>
+          <a:p>
+            <a:r>
+              <a:rPr lang="en-US" dirty="0" smtClean="0"/>
+              <a:t>This new structure supports sufficient verification of the indices of the </a:t>
+            </a:r>
+            <a:r>
+              <a:rPr lang="en-US" dirty="0" smtClean="0"/>
+              <a:t>blocks, which are used to query and update parameters in the DPDP scheme.</a:t>
+            </a:r>
+          </a:p>
+          <a:p>
+            <a:r>
+              <a:rPr lang="en-US" dirty="0" smtClean="0"/>
+              <a:t>Using the ranks, an efficient algorithm can determine a path to the </a:t>
+            </a:r>
+            <a:r>
+              <a:rPr lang="en-US" dirty="0" err="1" smtClean="0"/>
+              <a:t>ith</a:t>
+            </a:r>
+            <a:r>
+              <a:rPr lang="en-US" dirty="0" smtClean="0"/>
+              <a:t> block in the bottom row.</a:t>
+            </a:r>
+            <a:endParaRPr lang="en-US" dirty="0"/>
+          </a:p>
+        </p:txBody>
+      </p:sp>
+    </p:spTree>
+    <p:extLst>
+      <p:ext uri="{BB962C8B-B14F-4D97-AF65-F5344CB8AC3E}">
+        <p14:creationId xmlns:p14="http://schemas.microsoft.com/office/powerpoint/2010/main" val="138685937"/>
+      </p:ext>
+    </p:extLst>
+  </p:cSld>
+  <p:clrMapOvr>
+    <a:masterClrMapping/>
+  </p:clrMapOvr>
+</p:sld>
+</file>
+
+<file path=ppt/slides/slide11.xml><?xml version="1.0" encoding="utf-8"?>
+<p:sld xmlns:a="http://schemas.openxmlformats.org/drawingml/2006/main" xmlns:r="http://schemas.openxmlformats.org/officeDocument/2006/relationships" xmlns:p="http://schemas.openxmlformats.org/presentationml/2006/main">
+  <p:cSld>
+    <p:spTree>
+      <p:nvGrpSpPr>
+        <p:cNvPr id="1" name=""/>
+        <p:cNvGrpSpPr/>
+        <p:nvPr/>
+      </p:nvGrpSpPr>
+      <p:grpSpPr>
+        <a:xfrm>
+          <a:off x="0" y="0"/>
+          <a:ext cx="0" cy="0"/>
+          <a:chOff x="0" y="0"/>
+          <a:chExt cx="0" cy="0"/>
+        </a:xfrm>
+      </p:grpSpPr>
+      <p:sp>
+        <p:nvSpPr>
+          <p:cNvPr id="2" name="Title 1"/>
+          <p:cNvSpPr>
+            <a:spLocks noGrp="1"/>
+          </p:cNvSpPr>
+          <p:nvPr>
+            <p:ph type="title"/>
+          </p:nvPr>
+        </p:nvSpPr>
+        <p:spPr/>
+        <p:txBody>
+          <a:bodyPr/>
+          <a:lstStyle/>
+          <a:p>
+            <a:r>
+              <a:rPr lang="en-US" dirty="0" smtClean="0"/>
               <a:t>Rank-based Skip List</a:t>
             </a:r>
             <a:endParaRPr lang="en-US" dirty="0"/>
@@ -6235,7 +6348,7 @@
 </p:sld>
 </file>
 
-<file path=ppt/slides/slide11.xml><?xml version="1.0" encoding="utf-8"?>
+<file path=ppt/slides/slide12.xml><?xml version="1.0" encoding="utf-8"?>
 <p:sld xmlns:a="http://schemas.openxmlformats.org/drawingml/2006/main" xmlns:r="http://schemas.openxmlformats.org/officeDocument/2006/relationships" xmlns:p="http://schemas.openxmlformats.org/presentationml/2006/main">
   <p:cSld>
     <p:spTree>
@@ -6383,12 +6496,8 @@
               <a:t>is an </a:t>
             </a:r>
             <a:r>
-              <a:rPr lang="en-US" dirty="0" err="1" smtClean="0"/>
-              <a:t>algorithmrun</a:t>
-            </a:r>
-            <a:r>
               <a:rPr lang="en-US" dirty="0" smtClean="0"/>
-              <a:t> </a:t>
+              <a:t>algorithm run </a:t>
             </a:r>
             <a:r>
               <a:rPr lang="en-US" dirty="0"/>
@@ -6453,7 +6562,7 @@
 </p:sld>
 </file>
 
-<file path=ppt/slides/slide12.xml><?xml version="1.0" encoding="utf-8"?>
+<file path=ppt/slides/slide13.xml><?xml version="1.0" encoding="utf-8"?>
 <p:sld xmlns:a="http://schemas.openxmlformats.org/drawingml/2006/main" xmlns:r="http://schemas.openxmlformats.org/officeDocument/2006/relationships" xmlns:p="http://schemas.openxmlformats.org/presentationml/2006/main">
   <p:cSld>
     <p:spTree>
@@ -6602,6 +6711,182 @@
 </p:sld>
 </file>
 
+<file path=ppt/slides/slide14.xml><?xml version="1.0" encoding="utf-8"?>
+<p:sld xmlns:a="http://schemas.openxmlformats.org/drawingml/2006/main" xmlns:r="http://schemas.openxmlformats.org/officeDocument/2006/relationships" xmlns:p="http://schemas.openxmlformats.org/presentationml/2006/main">
+  <p:cSld>
+    <p:spTree>
+      <p:nvGrpSpPr>
+        <p:cNvPr id="1" name=""/>
+        <p:cNvGrpSpPr/>
+        <p:nvPr/>
+      </p:nvGrpSpPr>
+      <p:grpSpPr>
+        <a:xfrm>
+          <a:off x="0" y="0"/>
+          <a:ext cx="0" cy="0"/>
+          <a:chOff x="0" y="0"/>
+          <a:chExt cx="0" cy="0"/>
+        </a:xfrm>
+      </p:grpSpPr>
+      <p:sp>
+        <p:nvSpPr>
+          <p:cNvPr id="2" name="Title 1"/>
+          <p:cNvSpPr>
+            <a:spLocks noGrp="1"/>
+          </p:cNvSpPr>
+          <p:nvPr>
+            <p:ph type="title"/>
+          </p:nvPr>
+        </p:nvSpPr>
+        <p:spPr/>
+        <p:txBody>
+          <a:bodyPr/>
+          <a:lstStyle/>
+          <a:p>
+            <a:r>
+              <a:rPr lang="en-US" dirty="0" smtClean="0"/>
+              <a:t>Resources</a:t>
+            </a:r>
+            <a:endParaRPr lang="en-US" dirty="0"/>
+          </a:p>
+        </p:txBody>
+      </p:sp>
+      <p:sp>
+        <p:nvSpPr>
+          <p:cNvPr id="3" name="Content Placeholder 2"/>
+          <p:cNvSpPr>
+            <a:spLocks noGrp="1"/>
+          </p:cNvSpPr>
+          <p:nvPr>
+            <p:ph idx="1"/>
+          </p:nvPr>
+        </p:nvSpPr>
+        <p:spPr/>
+        <p:txBody>
+          <a:bodyPr/>
+          <a:lstStyle/>
+          <a:p>
+            <a:r>
+              <a:rPr lang="en-US" dirty="0"/>
+              <a:t>Giuseppe </a:t>
+            </a:r>
+            <a:r>
+              <a:rPr lang="en-US" dirty="0" err="1"/>
+              <a:t>Ateniese</a:t>
+            </a:r>
+            <a:r>
+              <a:rPr lang="en-US" dirty="0"/>
+              <a:t>, Randal Burns, Reza </a:t>
+            </a:r>
+            <a:r>
+              <a:rPr lang="en-US" dirty="0" err="1"/>
+              <a:t>Curtmola</a:t>
+            </a:r>
+            <a:r>
+              <a:rPr lang="en-US" dirty="0"/>
+              <a:t>, Joseph Herring, Osama Khan, Lea </a:t>
+            </a:r>
+            <a:r>
+              <a:rPr lang="en-US" dirty="0" err="1"/>
+              <a:t>Kissner</a:t>
+            </a:r>
+            <a:r>
+              <a:rPr lang="en-US" dirty="0"/>
+              <a:t>, Zachary Peterson, and Dawn Song. 2011. Remote data checking using provable data possession. </a:t>
+            </a:r>
+            <a:r>
+              <a:rPr lang="en-US" i="1" dirty="0"/>
+              <a:t>ACM Transactions on Information and System Security (TISSEC) </a:t>
+            </a:r>
+            <a:r>
+              <a:rPr lang="en-US" dirty="0"/>
+              <a:t>14, 1, Article 12 (June 2011), 34 pages.</a:t>
+            </a:r>
+          </a:p>
+          <a:p>
+            <a:r>
+              <a:rPr lang="en-US" dirty="0"/>
+              <a:t>C. Chris </a:t>
+            </a:r>
+            <a:r>
+              <a:rPr lang="en-US" dirty="0" err="1"/>
+              <a:t>Erway</a:t>
+            </a:r>
+            <a:r>
+              <a:rPr lang="en-US" dirty="0"/>
+              <a:t>, </a:t>
+            </a:r>
+            <a:r>
+              <a:rPr lang="en-US" dirty="0" err="1"/>
+              <a:t>Alptekin</a:t>
+            </a:r>
+            <a:r>
+              <a:rPr lang="en-US" dirty="0"/>
+              <a:t> </a:t>
+            </a:r>
+            <a:r>
+              <a:rPr lang="en-US" dirty="0" err="1"/>
+              <a:t>Kupcu</a:t>
+            </a:r>
+            <a:r>
+              <a:rPr lang="en-US" dirty="0"/>
+              <a:t>, </a:t>
+            </a:r>
+            <a:r>
+              <a:rPr lang="en-US" dirty="0" err="1"/>
+              <a:t>Charalampos</a:t>
+            </a:r>
+            <a:r>
+              <a:rPr lang="en-US" dirty="0"/>
+              <a:t> </a:t>
+            </a:r>
+            <a:r>
+              <a:rPr lang="en-US" dirty="0" err="1"/>
+              <a:t>Papamanthou</a:t>
+            </a:r>
+            <a:r>
+              <a:rPr lang="en-US" dirty="0"/>
+              <a:t>, and Roberto </a:t>
+            </a:r>
+            <a:r>
+              <a:rPr lang="en-US" dirty="0" err="1"/>
+              <a:t>Tamassia</a:t>
+            </a:r>
+            <a:r>
+              <a:rPr lang="en-US" dirty="0"/>
+              <a:t>. 2015. Dynamic provable data possession. ACM Trans. Info. Syst. Sec. 17, 4, Article 15 (April 2015), 29 pages</a:t>
+            </a:r>
+          </a:p>
+          <a:p>
+            <a:r>
+              <a:rPr lang="en-US" dirty="0"/>
+              <a:t>Crosby, S.A. and Wallach, D.S. 2011.  Authenticated dictionaries:  Real-world costs and trade-offs.  ACM Trans. Inf. Syst. </a:t>
+            </a:r>
+            <a:r>
+              <a:rPr lang="en-US" dirty="0" err="1"/>
+              <a:t>Secur</a:t>
+            </a:r>
+            <a:r>
+              <a:rPr lang="en-US" dirty="0"/>
+              <a:t>. 14, 2, Article 17 (September 2011), 30 pages</a:t>
+            </a:r>
+            <a:endParaRPr lang="en-US" dirty="0"/>
+          </a:p>
+        </p:txBody>
+      </p:sp>
+    </p:spTree>
+    <p:extLst>
+      <p:ext uri="{BB962C8B-B14F-4D97-AF65-F5344CB8AC3E}">
+        <p14:creationId xmlns:p14="http://schemas.microsoft.com/office/powerpoint/2010/main" val="1876944537"/>
+      </p:ext>
+    </p:extLst>
+  </p:cSld>
+  <p:clrMapOvr>
+    <a:masterClrMapping/>
+  </p:clrMapOvr>
+</p:sld>
+</file>
+
 <file path=ppt/slides/slide2.xml><?xml version="1.0" encoding="utf-8"?>
 <p:sld xmlns:a="http://schemas.openxmlformats.org/drawingml/2006/main" xmlns:r="http://schemas.openxmlformats.org/officeDocument/2006/relationships" xmlns:p="http://schemas.openxmlformats.org/presentationml/2006/main">
   <p:cSld>
@@ -6636,7 +6921,7 @@
           <a:p>
             <a:r>
               <a:rPr lang="en-US" dirty="0" smtClean="0"/>
-              <a:t>Methods</a:t>
+              <a:t>Motivation</a:t>
             </a:r>
             <a:endParaRPr lang="en-US" dirty="0"/>
           </a:p>
@@ -6659,28 +6944,29 @@
           <a:p>
             <a:r>
               <a:rPr lang="en-US" dirty="0" smtClean="0"/>
-              <a:t>Authenticated Dictionaries</a:t>
-            </a:r>
-          </a:p>
-          <a:p>
+              <a:t>Untrusted servers</a:t>
+            </a:r>
+          </a:p>
+          <a:p>
+            <a:pPr lvl="1"/>
             <a:r>
               <a:rPr lang="en-US" dirty="0" smtClean="0"/>
-              <a:t>Provable Data Possession (PDP)</a:t>
-            </a:r>
-          </a:p>
-          <a:p>
+              <a:t>Servers may have incentive to remove data that is rarely accessed.</a:t>
+            </a:r>
+          </a:p>
+          <a:p>
+            <a:pPr lvl="1"/>
             <a:r>
               <a:rPr lang="en-US" dirty="0" smtClean="0"/>
-              <a:t>Dynamic Provable Data Possession (DPDP)</a:t>
-            </a:r>
-            <a:endParaRPr lang="en-US" dirty="0"/>
+              <a:t>Clients need to be able to determine if data was been removed or altered.</a:t>
+            </a:r>
           </a:p>
         </p:txBody>
       </p:sp>
     </p:spTree>
     <p:extLst>
       <p:ext uri="{BB962C8B-B14F-4D97-AF65-F5344CB8AC3E}">
-        <p14:creationId xmlns:p14="http://schemas.microsoft.com/office/powerpoint/2010/main" val="3448894452"/>
+        <p14:creationId xmlns:p14="http://schemas.microsoft.com/office/powerpoint/2010/main" val="829230387"/>
       </p:ext>
     </p:extLst>
   </p:cSld>
@@ -6724,67 +7010,42 @@
           <a:p>
             <a:r>
               <a:rPr lang="en-US" dirty="0" smtClean="0"/>
+              <a:t>Methods</a:t>
+            </a:r>
+            <a:endParaRPr lang="en-US" dirty="0"/>
+          </a:p>
+        </p:txBody>
+      </p:sp>
+      <p:sp>
+        <p:nvSpPr>
+          <p:cNvPr id="3" name="Content Placeholder 2"/>
+          <p:cNvSpPr>
+            <a:spLocks noGrp="1"/>
+          </p:cNvSpPr>
+          <p:nvPr>
+            <p:ph idx="1"/>
+          </p:nvPr>
+        </p:nvSpPr>
+        <p:spPr/>
+        <p:txBody>
+          <a:bodyPr/>
+          <a:lstStyle/>
+          <a:p>
+            <a:r>
+              <a:rPr lang="en-US" dirty="0" smtClean="0"/>
               <a:t>Authenticated Dictionaries</a:t>
             </a:r>
-            <a:endParaRPr lang="en-US" dirty="0"/>
-          </a:p>
-        </p:txBody>
-      </p:sp>
-      <p:sp>
-        <p:nvSpPr>
-          <p:cNvPr id="3" name="Content Placeholder 2"/>
-          <p:cNvSpPr>
-            <a:spLocks noGrp="1"/>
-          </p:cNvSpPr>
-          <p:nvPr>
-            <p:ph idx="1"/>
-          </p:nvPr>
-        </p:nvSpPr>
-        <p:spPr/>
-        <p:txBody>
-          <a:bodyPr>
-            <a:normAutofit/>
-          </a:bodyPr>
-          <a:lstStyle/>
+          </a:p>
           <a:p>
             <a:r>
               <a:rPr lang="en-US" dirty="0" smtClean="0"/>
-              <a:t>Three parties</a:t>
-            </a:r>
-          </a:p>
-          <a:p>
-            <a:pPr lvl="1"/>
+              <a:t>Provable Data Possession (PDP)</a:t>
+            </a:r>
+          </a:p>
+          <a:p>
             <a:r>
               <a:rPr lang="en-US" dirty="0" smtClean="0"/>
-              <a:t>Trusted source – defines a finite set of elements that can change over time through insertions and deletions of key-value pairs.</a:t>
-            </a:r>
-          </a:p>
-          <a:p>
-            <a:pPr lvl="1"/>
-            <a:r>
-              <a:rPr lang="en-US" dirty="0" smtClean="0"/>
-              <a:t>Untrusted server – keeps a copy of the set along with authentication information sent from the trusted source.</a:t>
-            </a:r>
-          </a:p>
-          <a:p>
-            <a:pPr lvl="1"/>
-            <a:r>
-              <a:rPr lang="en-US" dirty="0" smtClean="0"/>
-              <a:t>Client – queries the untrusted server.  The server provides yes/no response to the query along with a proof of the response assembled from the authors signature.  This prevents the untrusted server from “guessing” the proof associated with the look up value.</a:t>
-            </a:r>
-          </a:p>
-          <a:p>
-            <a:pPr lvl="1"/>
-            <a:r>
-              <a:rPr lang="en-US" dirty="0" smtClean="0"/>
-              <a:t>Often the trusted source and the client are the same entity.</a:t>
-            </a:r>
-          </a:p>
-          <a:p>
-            <a:pPr lvl="1"/>
-            <a:r>
-              <a:rPr lang="en-US" dirty="0" smtClean="0"/>
-              <a:t>The data structure used and the protocol used for queries and updates define the authenticated dictionary.</a:t>
+              <a:t>Dynamic Provable Data Possession (DPDP)</a:t>
             </a:r>
             <a:endParaRPr lang="en-US" dirty="0"/>
           </a:p>
@@ -6793,7 +7054,7 @@
     </p:spTree>
     <p:extLst>
       <p:ext uri="{BB962C8B-B14F-4D97-AF65-F5344CB8AC3E}">
-        <p14:creationId xmlns:p14="http://schemas.microsoft.com/office/powerpoint/2010/main" val="999135330"/>
+        <p14:creationId xmlns:p14="http://schemas.microsoft.com/office/powerpoint/2010/main" val="3448894452"/>
       </p:ext>
     </p:extLst>
   </p:cSld>
@@ -6830,6 +7091,119 @@
             <p:ph type="title"/>
           </p:nvPr>
         </p:nvSpPr>
+        <p:spPr/>
+        <p:txBody>
+          <a:bodyPr/>
+          <a:lstStyle/>
+          <a:p>
+            <a:r>
+              <a:rPr lang="en-US" dirty="0" smtClean="0"/>
+              <a:t>Authenticated Dictionaries</a:t>
+            </a:r>
+            <a:endParaRPr lang="en-US" dirty="0"/>
+          </a:p>
+        </p:txBody>
+      </p:sp>
+      <p:sp>
+        <p:nvSpPr>
+          <p:cNvPr id="3" name="Content Placeholder 2"/>
+          <p:cNvSpPr>
+            <a:spLocks noGrp="1"/>
+          </p:cNvSpPr>
+          <p:nvPr>
+            <p:ph idx="1"/>
+          </p:nvPr>
+        </p:nvSpPr>
+        <p:spPr/>
+        <p:txBody>
+          <a:bodyPr>
+            <a:normAutofit/>
+          </a:bodyPr>
+          <a:lstStyle/>
+          <a:p>
+            <a:r>
+              <a:rPr lang="en-US" dirty="0" smtClean="0"/>
+              <a:t>Three parties</a:t>
+            </a:r>
+          </a:p>
+          <a:p>
+            <a:pPr lvl="1"/>
+            <a:r>
+              <a:rPr lang="en-US" dirty="0" smtClean="0"/>
+              <a:t>Trusted source – defines a finite set of elements that can change over time through insertions and deletions of key-value pairs.</a:t>
+            </a:r>
+          </a:p>
+          <a:p>
+            <a:pPr lvl="1"/>
+            <a:r>
+              <a:rPr lang="en-US" dirty="0" smtClean="0"/>
+              <a:t>Untrusted server – keeps a copy of the set along with authentication information sent from the trusted source.</a:t>
+            </a:r>
+          </a:p>
+          <a:p>
+            <a:pPr lvl="1"/>
+            <a:r>
+              <a:rPr lang="en-US" dirty="0" smtClean="0"/>
+              <a:t>Client – queries the untrusted server.  The server provides yes/no response to the query along with a proof of the response assembled from the authors signature.  This prevents the untrusted server from “guessing” the proof associated with the look up value.</a:t>
+            </a:r>
+          </a:p>
+          <a:p>
+            <a:pPr lvl="1"/>
+            <a:r>
+              <a:rPr lang="en-US" dirty="0" smtClean="0"/>
+              <a:t>Often the trusted source and the client are the same entity.</a:t>
+            </a:r>
+          </a:p>
+          <a:p>
+            <a:pPr lvl="1"/>
+            <a:r>
+              <a:rPr lang="en-US" dirty="0" smtClean="0"/>
+              <a:t>The data structure used and the protocol used for queries and updates define the authenticated dictionary.</a:t>
+            </a:r>
+            <a:endParaRPr lang="en-US" dirty="0"/>
+          </a:p>
+        </p:txBody>
+      </p:sp>
+    </p:spTree>
+    <p:extLst>
+      <p:ext uri="{BB962C8B-B14F-4D97-AF65-F5344CB8AC3E}">
+        <p14:creationId xmlns:p14="http://schemas.microsoft.com/office/powerpoint/2010/main" val="999135330"/>
+      </p:ext>
+    </p:extLst>
+  </p:cSld>
+  <p:clrMapOvr>
+    <a:masterClrMapping/>
+  </p:clrMapOvr>
+</p:sld>
+</file>
+
+<file path=ppt/slides/slide5.xml><?xml version="1.0" encoding="utf-8"?>
+<p:sld xmlns:a="http://schemas.openxmlformats.org/drawingml/2006/main" xmlns:r="http://schemas.openxmlformats.org/officeDocument/2006/relationships" xmlns:p="http://schemas.openxmlformats.org/presentationml/2006/main">
+  <p:cSld>
+    <p:spTree>
+      <p:nvGrpSpPr>
+        <p:cNvPr id="1" name=""/>
+        <p:cNvGrpSpPr/>
+        <p:nvPr/>
+      </p:nvGrpSpPr>
+      <p:grpSpPr>
+        <a:xfrm>
+          <a:off x="0" y="0"/>
+          <a:ext cx="0" cy="0"/>
+          <a:chOff x="0" y="0"/>
+          <a:chExt cx="0" cy="0"/>
+        </a:xfrm>
+      </p:grpSpPr>
+      <p:sp>
+        <p:nvSpPr>
+          <p:cNvPr id="2" name="Title 1"/>
+          <p:cNvSpPr>
+            <a:spLocks noGrp="1"/>
+          </p:cNvSpPr>
+          <p:nvPr>
+            <p:ph type="title"/>
+          </p:nvPr>
+        </p:nvSpPr>
         <p:spPr>
           <a:xfrm>
             <a:off x="838200" y="52387"/>
@@ -6903,7 +7277,15 @@
             <a:pPr lvl="1"/>
             <a:r>
               <a:rPr lang="en-US" dirty="0" smtClean="0"/>
-              <a:t>If the root hash of the tree is signed by the trusted source, the server can prove membership of key by showing a path from the root to the key.  The client can </a:t>
+              <a:t>If the root hash of the tree is signed by the trusted source, the server can prove membership of </a:t>
+            </a:r>
+            <a:r>
+              <a:rPr lang="en-US" dirty="0" smtClean="0"/>
+              <a:t>the key </a:t>
+            </a:r>
+            <a:r>
+              <a:rPr lang="en-US" dirty="0" smtClean="0"/>
+              <a:t>by showing a path from the root to the key.  The client can </a:t>
             </a:r>
             <a:r>
               <a:rPr lang="en-US" dirty="0" err="1" smtClean="0"/>
@@ -6911,12 +7293,13 @@
             </a:r>
             <a:r>
               <a:rPr lang="en-US" dirty="0" smtClean="0"/>
-              <a:t> the roots hash value and compare it to the signed one.</a:t>
-            </a:r>
-          </a:p>
-          <a:p>
-            <a:pPr lvl="1"/>
-            <a:endParaRPr lang="en-US" dirty="0"/>
+              <a:t> the roots hash value and compare it to the signed one</a:t>
+            </a:r>
+            <a:r>
+              <a:rPr lang="en-US" dirty="0" smtClean="0"/>
+              <a:t>.</a:t>
+            </a:r>
+            <a:endParaRPr lang="en-US" dirty="0" smtClean="0"/>
           </a:p>
         </p:txBody>
       </p:sp>
@@ -6957,7 +7340,7 @@
 </p:sld>
 </file>
 
-<file path=ppt/slides/slide5.xml><?xml version="1.0" encoding="utf-8"?>
+<file path=ppt/slides/slide6.xml><?xml version="1.0" encoding="utf-8"?>
 <p:sld xmlns:a="http://schemas.openxmlformats.org/drawingml/2006/main" xmlns:r="http://schemas.openxmlformats.org/officeDocument/2006/relationships" xmlns:p="http://schemas.openxmlformats.org/presentationml/2006/main">
   <p:cSld>
     <p:spTree>
@@ -7066,7 +7449,7 @@
 </p:sld>
 </file>
 
-<file path=ppt/slides/slide6.xml><?xml version="1.0" encoding="utf-8"?>
+<file path=ppt/slides/slide7.xml><?xml version="1.0" encoding="utf-8"?>
 <p:sld xmlns:a="http://schemas.openxmlformats.org/drawingml/2006/main" xmlns:r="http://schemas.openxmlformats.org/officeDocument/2006/relationships" xmlns:p="http://schemas.openxmlformats.org/presentationml/2006/main">
   <p:cSld>
     <p:spTree>
@@ -7147,7 +7530,7 @@
 </p:sld>
 </file>
 
-<file path=ppt/slides/slide7.xml><?xml version="1.0" encoding="utf-8"?>
+<file path=ppt/slides/slide8.xml><?xml version="1.0" encoding="utf-8"?>
 <p:sld xmlns:a="http://schemas.openxmlformats.org/drawingml/2006/main" xmlns:r="http://schemas.openxmlformats.org/officeDocument/2006/relationships" xmlns:p="http://schemas.openxmlformats.org/presentationml/2006/main">
   <p:cSld>
     <p:spTree>
@@ -7226,402 +7609,6 @@
 </p:sld>
 </file>
 
-<file path=ppt/slides/slide8.xml><?xml version="1.0" encoding="utf-8"?>
-<p:sld xmlns:a="http://schemas.openxmlformats.org/drawingml/2006/main" xmlns:r="http://schemas.openxmlformats.org/officeDocument/2006/relationships" xmlns:p="http://schemas.openxmlformats.org/presentationml/2006/main">
-  <p:cSld>
-    <p:spTree>
-      <p:nvGrpSpPr>
-        <p:cNvPr id="1" name=""/>
-        <p:cNvGrpSpPr/>
-        <p:nvPr/>
-      </p:nvGrpSpPr>
-      <p:grpSpPr>
-        <a:xfrm>
-          <a:off x="0" y="0"/>
-          <a:ext cx="0" cy="0"/>
-          <a:chOff x="0" y="0"/>
-          <a:chExt cx="0" cy="0"/>
-        </a:xfrm>
-      </p:grpSpPr>
-      <p:sp>
-        <p:nvSpPr>
-          <p:cNvPr id="2" name="Title 1"/>
-          <p:cNvSpPr>
-            <a:spLocks noGrp="1"/>
-          </p:cNvSpPr>
-          <p:nvPr>
-            <p:ph type="title"/>
-          </p:nvPr>
-        </p:nvSpPr>
-        <p:spPr/>
-        <p:txBody>
-          <a:bodyPr/>
-          <a:lstStyle/>
-          <a:p>
-            <a:r>
-              <a:rPr lang="en-US" dirty="0" smtClean="0"/>
-              <a:t>PDP Algorithms</a:t>
-            </a:r>
-            <a:endParaRPr lang="en-US" dirty="0"/>
-          </a:p>
-        </p:txBody>
-      </p:sp>
-      <p:sp>
-        <p:nvSpPr>
-          <p:cNvPr id="3" name="Content Placeholder 2"/>
-          <p:cNvSpPr>
-            <a:spLocks noGrp="1"/>
-          </p:cNvSpPr>
-          <p:nvPr>
-            <p:ph idx="1"/>
-          </p:nvPr>
-        </p:nvSpPr>
-        <p:spPr/>
-        <p:txBody>
-          <a:bodyPr>
-            <a:normAutofit fontScale="85000" lnSpcReduction="10000"/>
-          </a:bodyPr>
-          <a:lstStyle/>
-          <a:p>
-            <a:r>
-              <a:rPr lang="en-US" dirty="0" err="1" smtClean="0"/>
-              <a:t>KeyGen</a:t>
-            </a:r>
-            <a:r>
-              <a:rPr lang="en-US" dirty="0" smtClean="0"/>
-              <a:t>(1</a:t>
-            </a:r>
-            <a:r>
-              <a:rPr lang="en-US" i="1" dirty="0" smtClean="0"/>
-              <a:t>k</a:t>
-            </a:r>
-            <a:r>
-              <a:rPr lang="en-US" dirty="0" smtClean="0"/>
-              <a:t>) </a:t>
-            </a:r>
-            <a:r>
-              <a:rPr lang="en-US" dirty="0"/>
-              <a:t>→ (</a:t>
-            </a:r>
-            <a:r>
-              <a:rPr lang="en-US" dirty="0" err="1"/>
-              <a:t>pk</a:t>
-            </a:r>
-            <a:r>
-              <a:rPr lang="en-US" dirty="0"/>
-              <a:t>, </a:t>
-            </a:r>
-            <a:r>
-              <a:rPr lang="en-US" dirty="0" err="1"/>
-              <a:t>sk</a:t>
-            </a:r>
-            <a:r>
-              <a:rPr lang="en-US" dirty="0"/>
-              <a:t>) is a probabilistic key generation algorithm that is run by </a:t>
-            </a:r>
-            <a:r>
-              <a:rPr lang="en-US" dirty="0" smtClean="0"/>
-              <a:t>the client </a:t>
-            </a:r>
-            <a:r>
-              <a:rPr lang="en-US" dirty="0"/>
-              <a:t>to setup the scheme. It takes a security parameter </a:t>
-            </a:r>
-            <a:r>
-              <a:rPr lang="en-US" i="1" dirty="0"/>
-              <a:t>k as input and returns </a:t>
-            </a:r>
-            <a:r>
-              <a:rPr lang="en-US" i="1" dirty="0" smtClean="0"/>
-              <a:t>a </a:t>
-            </a:r>
-            <a:r>
-              <a:rPr lang="en-US" dirty="0" smtClean="0"/>
-              <a:t>pair </a:t>
-            </a:r>
-            <a:r>
-              <a:rPr lang="en-US" dirty="0"/>
-              <a:t>of matching public and secret keys (</a:t>
-            </a:r>
-            <a:r>
-              <a:rPr lang="en-US" dirty="0" err="1"/>
-              <a:t>pk</a:t>
-            </a:r>
-            <a:r>
-              <a:rPr lang="en-US" dirty="0"/>
-              <a:t>, </a:t>
-            </a:r>
-            <a:r>
-              <a:rPr lang="en-US" dirty="0" err="1"/>
-              <a:t>sk</a:t>
-            </a:r>
-            <a:r>
-              <a:rPr lang="en-US" dirty="0"/>
-              <a:t>).</a:t>
-            </a:r>
-          </a:p>
-          <a:p>
-            <a:r>
-              <a:rPr lang="en-US" dirty="0" err="1"/>
-              <a:t>TagBlock</a:t>
-            </a:r>
-            <a:r>
-              <a:rPr lang="en-US" dirty="0"/>
-              <a:t>(</a:t>
-            </a:r>
-            <a:r>
-              <a:rPr lang="en-US" dirty="0" err="1"/>
-              <a:t>pk</a:t>
-            </a:r>
-            <a:r>
-              <a:rPr lang="en-US" dirty="0"/>
-              <a:t>, </a:t>
-            </a:r>
-            <a:r>
-              <a:rPr lang="en-US" dirty="0" err="1"/>
-              <a:t>sk</a:t>
-            </a:r>
-            <a:r>
-              <a:rPr lang="en-US" dirty="0"/>
-              <a:t>, b) → </a:t>
-            </a:r>
-            <a:r>
-              <a:rPr lang="en-US" dirty="0" smtClean="0"/>
-              <a:t>T is an algorithm </a:t>
-            </a:r>
-            <a:r>
-              <a:rPr lang="en-US" dirty="0"/>
-              <a:t>run by the client to </a:t>
-            </a:r>
-            <a:r>
-              <a:rPr lang="en-US" dirty="0" smtClean="0"/>
-              <a:t>generate the </a:t>
-            </a:r>
-            <a:r>
-              <a:rPr lang="en-US" dirty="0"/>
-              <a:t>veriﬁcation metadata. It takes as inputs a public key </a:t>
-            </a:r>
-            <a:r>
-              <a:rPr lang="en-US" dirty="0" err="1"/>
-              <a:t>pk</a:t>
-            </a:r>
-            <a:r>
-              <a:rPr lang="en-US" dirty="0"/>
-              <a:t>, a secret key </a:t>
-            </a:r>
-            <a:r>
-              <a:rPr lang="en-US" dirty="0" err="1" smtClean="0"/>
-              <a:t>sk</a:t>
-            </a:r>
-            <a:r>
-              <a:rPr lang="en-US" dirty="0" smtClean="0"/>
-              <a:t>, and </a:t>
-            </a:r>
-            <a:r>
-              <a:rPr lang="en-US" dirty="0"/>
-              <a:t>a ﬁle block b, and returns the veriﬁcation metadata </a:t>
-            </a:r>
-            <a:r>
-              <a:rPr lang="en-US" dirty="0" smtClean="0"/>
-              <a:t>Tb</a:t>
-            </a:r>
-            <a:endParaRPr lang="en-US" dirty="0"/>
-          </a:p>
-          <a:p>
-            <a:r>
-              <a:rPr lang="en-US" dirty="0" err="1"/>
-              <a:t>GenProof</a:t>
-            </a:r>
-            <a:r>
-              <a:rPr lang="en-US" dirty="0"/>
-              <a:t>(</a:t>
-            </a:r>
-            <a:r>
-              <a:rPr lang="en-US" dirty="0" err="1"/>
-              <a:t>pk</a:t>
-            </a:r>
-            <a:r>
-              <a:rPr lang="en-US" dirty="0"/>
-              <a:t>, F, </a:t>
-            </a:r>
-            <a:r>
-              <a:rPr lang="en-US" dirty="0" err="1"/>
-              <a:t>chal</a:t>
-            </a:r>
-            <a:r>
-              <a:rPr lang="en-US" dirty="0"/>
-              <a:t>,) → V is run by the server in order to generate a proof of </a:t>
-            </a:r>
-            <a:r>
-              <a:rPr lang="en-US" dirty="0" smtClean="0"/>
-              <a:t>possession</a:t>
-            </a:r>
-            <a:r>
-              <a:rPr lang="en-US" dirty="0"/>
-              <a:t>. It takes as inputs a public key </a:t>
-            </a:r>
-            <a:r>
-              <a:rPr lang="en-US" dirty="0" err="1"/>
-              <a:t>pk</a:t>
-            </a:r>
-            <a:r>
-              <a:rPr lang="en-US" dirty="0"/>
-              <a:t>, an ordered collection F of blocks, a </a:t>
-            </a:r>
-            <a:r>
-              <a:rPr lang="en-US" dirty="0" smtClean="0"/>
-              <a:t>challenge </a:t>
-            </a:r>
-            <a:r>
-              <a:rPr lang="en-US" dirty="0" err="1" smtClean="0"/>
-              <a:t>chal</a:t>
-            </a:r>
-            <a:r>
-              <a:rPr lang="en-US" dirty="0"/>
-              <a:t>, and an ordered collection </a:t>
-            </a:r>
-            <a:r>
-              <a:rPr lang="en-US" dirty="0" smtClean="0"/>
-              <a:t>which </a:t>
-            </a:r>
-            <a:r>
-              <a:rPr lang="en-US" dirty="0"/>
-              <a:t>is the veriﬁcation metadata </a:t>
-            </a:r>
-            <a:r>
-              <a:rPr lang="en-US" dirty="0" smtClean="0"/>
-              <a:t>corresponding to </a:t>
-            </a:r>
-            <a:r>
-              <a:rPr lang="en-US" dirty="0"/>
-              <a:t>the blocks in F. It returns a proof of possession V for the blocks in F that </a:t>
-            </a:r>
-            <a:r>
-              <a:rPr lang="en-US" dirty="0" smtClean="0"/>
-              <a:t>are determined </a:t>
-            </a:r>
-            <a:r>
-              <a:rPr lang="en-US" dirty="0"/>
-              <a:t>by the challenge </a:t>
-            </a:r>
-            <a:r>
-              <a:rPr lang="en-US" dirty="0" err="1"/>
-              <a:t>chal</a:t>
-            </a:r>
-            <a:r>
-              <a:rPr lang="en-US" dirty="0"/>
-              <a:t>.</a:t>
-            </a:r>
-          </a:p>
-          <a:p>
-            <a:r>
-              <a:rPr lang="en-US" dirty="0" err="1" smtClean="0"/>
-              <a:t>CheckProof</a:t>
-            </a:r>
-            <a:r>
-              <a:rPr lang="en-US" dirty="0" smtClean="0"/>
-              <a:t>(</a:t>
-            </a:r>
-            <a:r>
-              <a:rPr lang="en-US" dirty="0" err="1" smtClean="0"/>
-              <a:t>pk</a:t>
-            </a:r>
-            <a:r>
-              <a:rPr lang="en-US" dirty="0"/>
-              <a:t>, </a:t>
-            </a:r>
-            <a:r>
-              <a:rPr lang="en-US" dirty="0" err="1"/>
-              <a:t>sk</a:t>
-            </a:r>
-            <a:r>
-              <a:rPr lang="en-US" dirty="0"/>
-              <a:t>, </a:t>
-            </a:r>
-            <a:r>
-              <a:rPr lang="en-US" dirty="0" err="1"/>
-              <a:t>chal</a:t>
-            </a:r>
-            <a:r>
-              <a:rPr lang="en-US" dirty="0"/>
-              <a:t>, V) →{“</a:t>
-            </a:r>
-            <a:r>
-              <a:rPr lang="en-US" i="1" dirty="0"/>
-              <a:t>success”, “ failure”} is run by the client in order to </a:t>
-            </a:r>
-            <a:r>
-              <a:rPr lang="en-US" i="1" dirty="0" smtClean="0"/>
-              <a:t>validate </a:t>
-            </a:r>
-            <a:r>
-              <a:rPr lang="en-US" dirty="0" smtClean="0"/>
-              <a:t>a </a:t>
-            </a:r>
-            <a:r>
-              <a:rPr lang="en-US" dirty="0"/>
-              <a:t>proof of possession. It takes as inputs a public key </a:t>
-            </a:r>
-            <a:r>
-              <a:rPr lang="en-US" dirty="0" err="1"/>
-              <a:t>pk</a:t>
-            </a:r>
-            <a:r>
-              <a:rPr lang="en-US" dirty="0"/>
-              <a:t>, a secret key </a:t>
-            </a:r>
-            <a:r>
-              <a:rPr lang="en-US" dirty="0" err="1"/>
-              <a:t>sk</a:t>
-            </a:r>
-            <a:r>
-              <a:rPr lang="en-US" dirty="0"/>
-              <a:t>, </a:t>
-            </a:r>
-            <a:r>
-              <a:rPr lang="en-US" dirty="0" smtClean="0"/>
-              <a:t>a challenge </a:t>
-            </a:r>
-            <a:r>
-              <a:rPr lang="en-US" dirty="0" err="1"/>
-              <a:t>chal</a:t>
-            </a:r>
-            <a:r>
-              <a:rPr lang="en-US" dirty="0"/>
-              <a:t>, and a proof of possession V. It returns whether V is a correct proof </a:t>
-            </a:r>
-            <a:r>
-              <a:rPr lang="en-US" dirty="0" smtClean="0"/>
-              <a:t>of possession </a:t>
-            </a:r>
-            <a:r>
-              <a:rPr lang="en-US" dirty="0"/>
-              <a:t>for the blocks determined by </a:t>
-            </a:r>
-            <a:r>
-              <a:rPr lang="en-US" dirty="0" err="1"/>
-              <a:t>chal</a:t>
-            </a:r>
-            <a:r>
-              <a:rPr lang="en-US" dirty="0"/>
-              <a:t>.</a:t>
-            </a:r>
-          </a:p>
-        </p:txBody>
-      </p:sp>
-    </p:spTree>
-    <p:extLst>
-      <p:ext uri="{BB962C8B-B14F-4D97-AF65-F5344CB8AC3E}">
-        <p14:creationId xmlns:p14="http://schemas.microsoft.com/office/powerpoint/2010/main" val="1804915458"/>
-      </p:ext>
-    </p:extLst>
-  </p:cSld>
-  <p:clrMapOvr>
-    <a:masterClrMapping/>
-  </p:clrMapOvr>
-</p:sld>
-</file>
-
 <file path=ppt/slides/slide9.xml><?xml version="1.0" encoding="utf-8"?>
 <p:sld xmlns:a="http://schemas.openxmlformats.org/drawingml/2006/main" xmlns:r="http://schemas.openxmlformats.org/officeDocument/2006/relationships" xmlns:p="http://schemas.openxmlformats.org/presentationml/2006/main">
   <p:cSld>
@@ -7656,7 +7643,7 @@
           <a:p>
             <a:r>
               <a:rPr lang="en-US" dirty="0" smtClean="0"/>
-              <a:t>Dynamic Provable Data Possession (DPDP)</a:t>
+              <a:t>PDP Algorithms</a:t>
             </a:r>
             <a:endParaRPr lang="en-US" dirty="0"/>
           </a:p>
@@ -7674,33 +7661,341 @@
         </p:nvSpPr>
         <p:spPr/>
         <p:txBody>
-          <a:bodyPr/>
-          <a:lstStyle/>
-          <a:p>
+          <a:bodyPr>
+            <a:normAutofit fontScale="85000" lnSpcReduction="10000"/>
+          </a:bodyPr>
+          <a:lstStyle/>
+          <a:p>
+            <a:r>
+              <a:rPr lang="en-US" dirty="0" err="1" smtClean="0"/>
+              <a:t>KeyGen</a:t>
+            </a:r>
             <a:r>
               <a:rPr lang="en-US" dirty="0" smtClean="0"/>
-              <a:t>PDP only applies to static, archival storage.  DPDP extends PDP so a client can update (insert, delete or modify a block) the outsourced data while maintaining the data possession guarantees.</a:t>
-            </a:r>
-          </a:p>
-          <a:p>
+              <a:t>(1</a:t>
+            </a:r>
+            <a:r>
+              <a:rPr lang="en-US" i="1" dirty="0" smtClean="0"/>
+              <a:t>k</a:t>
+            </a:r>
             <a:r>
               <a:rPr lang="en-US" dirty="0" smtClean="0"/>
-              <a:t>Dynamic solution is achieved with a variant of an authenticated dictionary (skip list) where rank information is used to organize dictionary entries.</a:t>
-            </a:r>
-          </a:p>
-          <a:p>
+              <a:t>) </a:t>
+            </a:r>
+            <a:r>
+              <a:rPr lang="en-US" dirty="0"/>
+              <a:t>→ (</a:t>
+            </a:r>
+            <a:r>
+              <a:rPr lang="en-US" dirty="0" err="1"/>
+              <a:t>pk</a:t>
+            </a:r>
+            <a:r>
+              <a:rPr lang="en-US" dirty="0"/>
+              <a:t>, </a:t>
+            </a:r>
+            <a:r>
+              <a:rPr lang="en-US" dirty="0" err="1"/>
+              <a:t>sk</a:t>
+            </a:r>
+            <a:r>
+              <a:rPr lang="en-US" dirty="0"/>
+              <a:t>) is a probabilistic key generation algorithm that is run by </a:t>
+            </a:r>
             <a:r>
               <a:rPr lang="en-US" dirty="0" smtClean="0"/>
-              <a:t>This new structure supports sufficient verification of the indices of the blocks.</a:t>
+              <a:t>the client </a:t>
+            </a:r>
+            <a:r>
+              <a:rPr lang="en-US" dirty="0"/>
+              <a:t>to setup the scheme. It takes a security parameter </a:t>
+            </a:r>
+            <a:r>
+              <a:rPr lang="en-US" i="1" dirty="0"/>
+              <a:t>k as input and returns </a:t>
+            </a:r>
+            <a:r>
+              <a:rPr lang="en-US" i="1" dirty="0" smtClean="0"/>
+              <a:t>a </a:t>
+            </a:r>
+            <a:r>
+              <a:rPr lang="en-US" dirty="0" smtClean="0"/>
+              <a:t>pair </a:t>
+            </a:r>
+            <a:r>
+              <a:rPr lang="en-US" dirty="0"/>
+              <a:t>of matching public and secret keys (</a:t>
+            </a:r>
+            <a:r>
+              <a:rPr lang="en-US" dirty="0" err="1"/>
+              <a:t>pk</a:t>
+            </a:r>
+            <a:r>
+              <a:rPr lang="en-US" dirty="0"/>
+              <a:t>, </a:t>
+            </a:r>
+            <a:r>
+              <a:rPr lang="en-US" dirty="0" err="1"/>
+              <a:t>sk</a:t>
+            </a:r>
+            <a:r>
+              <a:rPr lang="en-US" dirty="0"/>
+              <a:t>).</a:t>
+            </a:r>
+          </a:p>
+          <a:p>
+            <a:r>
+              <a:rPr lang="en-US" dirty="0" err="1"/>
+              <a:t>TagBlock</a:t>
+            </a:r>
+            <a:r>
+              <a:rPr lang="en-US" dirty="0"/>
+              <a:t>(</a:t>
+            </a:r>
+            <a:r>
+              <a:rPr lang="en-US" dirty="0" err="1"/>
+              <a:t>pk</a:t>
+            </a:r>
+            <a:r>
+              <a:rPr lang="en-US" dirty="0"/>
+              <a:t>, </a:t>
+            </a:r>
+            <a:r>
+              <a:rPr lang="en-US" dirty="0" err="1"/>
+              <a:t>sk</a:t>
+            </a:r>
+            <a:r>
+              <a:rPr lang="en-US" dirty="0"/>
+              <a:t>, b) → </a:t>
+            </a:r>
+            <a:r>
+              <a:rPr lang="en-US" dirty="0" smtClean="0"/>
+              <a:t>T is an algorithm </a:t>
+            </a:r>
+            <a:r>
+              <a:rPr lang="en-US" dirty="0"/>
+              <a:t>run by the client to </a:t>
+            </a:r>
+            <a:r>
+              <a:rPr lang="en-US" dirty="0" smtClean="0"/>
+              <a:t>generate the </a:t>
+            </a:r>
+            <a:r>
+              <a:rPr lang="en-US" dirty="0"/>
+              <a:t>veriﬁcation metadata. It takes as inputs a public key </a:t>
+            </a:r>
+            <a:r>
+              <a:rPr lang="en-US" dirty="0" err="1"/>
+              <a:t>pk</a:t>
+            </a:r>
+            <a:r>
+              <a:rPr lang="en-US" dirty="0"/>
+              <a:t>, a secret key </a:t>
+            </a:r>
+            <a:r>
+              <a:rPr lang="en-US" dirty="0" err="1" smtClean="0"/>
+              <a:t>sk</a:t>
+            </a:r>
+            <a:r>
+              <a:rPr lang="en-US" dirty="0" smtClean="0"/>
+              <a:t>, and </a:t>
+            </a:r>
+            <a:r>
+              <a:rPr lang="en-US" dirty="0"/>
+              <a:t>a ﬁle block b, and returns the veriﬁcation metadata </a:t>
+            </a:r>
+            <a:r>
+              <a:rPr lang="en-US" dirty="0" smtClean="0"/>
+              <a:t>Tb</a:t>
             </a:r>
             <a:endParaRPr lang="en-US" dirty="0"/>
+          </a:p>
+          <a:p>
+            <a:r>
+              <a:rPr lang="en-US" dirty="0" err="1"/>
+              <a:t>GenProof</a:t>
+            </a:r>
+            <a:r>
+              <a:rPr lang="en-US" dirty="0"/>
+              <a:t>(</a:t>
+            </a:r>
+            <a:r>
+              <a:rPr lang="en-US" dirty="0" err="1"/>
+              <a:t>pk</a:t>
+            </a:r>
+            <a:r>
+              <a:rPr lang="en-US" dirty="0"/>
+              <a:t>, F, </a:t>
+            </a:r>
+            <a:r>
+              <a:rPr lang="en-US" dirty="0" err="1"/>
+              <a:t>chal</a:t>
+            </a:r>
+            <a:r>
+              <a:rPr lang="en-US" dirty="0"/>
+              <a:t>,) → V is run by the server in order to generate a proof of </a:t>
+            </a:r>
+            <a:r>
+              <a:rPr lang="en-US" dirty="0" smtClean="0"/>
+              <a:t>possession</a:t>
+            </a:r>
+            <a:r>
+              <a:rPr lang="en-US" dirty="0"/>
+              <a:t>. It takes as inputs a public key </a:t>
+            </a:r>
+            <a:r>
+              <a:rPr lang="en-US" dirty="0" err="1"/>
+              <a:t>pk</a:t>
+            </a:r>
+            <a:r>
+              <a:rPr lang="en-US" dirty="0"/>
+              <a:t>, an ordered collection F of blocks, a </a:t>
+            </a:r>
+            <a:r>
+              <a:rPr lang="en-US" dirty="0" smtClean="0"/>
+              <a:t>challenge </a:t>
+            </a:r>
+            <a:r>
+              <a:rPr lang="en-US" dirty="0" err="1" smtClean="0"/>
+              <a:t>chal</a:t>
+            </a:r>
+            <a:r>
+              <a:rPr lang="en-US" dirty="0"/>
+              <a:t>, and an ordered collection </a:t>
+            </a:r>
+            <a:r>
+              <a:rPr lang="en-US" dirty="0" smtClean="0"/>
+              <a:t>which </a:t>
+            </a:r>
+            <a:r>
+              <a:rPr lang="en-US" dirty="0"/>
+              <a:t>is the veriﬁcation metadata </a:t>
+            </a:r>
+            <a:r>
+              <a:rPr lang="en-US" dirty="0" smtClean="0"/>
+              <a:t>corresponding to </a:t>
+            </a:r>
+            <a:r>
+              <a:rPr lang="en-US" dirty="0"/>
+              <a:t>the blocks in F. It returns a proof of possession V for the blocks in F that </a:t>
+            </a:r>
+            <a:r>
+              <a:rPr lang="en-US" dirty="0" smtClean="0"/>
+              <a:t>are determined </a:t>
+            </a:r>
+            <a:r>
+              <a:rPr lang="en-US" dirty="0"/>
+              <a:t>by the challenge </a:t>
+            </a:r>
+            <a:r>
+              <a:rPr lang="en-US" dirty="0" err="1"/>
+              <a:t>chal</a:t>
+            </a:r>
+            <a:r>
+              <a:rPr lang="en-US" dirty="0"/>
+              <a:t>.</a:t>
+            </a:r>
+          </a:p>
+          <a:p>
+            <a:r>
+              <a:rPr lang="en-US" dirty="0" err="1" smtClean="0"/>
+              <a:t>CheckProof</a:t>
+            </a:r>
+            <a:r>
+              <a:rPr lang="en-US" dirty="0" smtClean="0"/>
+              <a:t>(</a:t>
+            </a:r>
+            <a:r>
+              <a:rPr lang="en-US" dirty="0" err="1" smtClean="0"/>
+              <a:t>pk</a:t>
+            </a:r>
+            <a:r>
+              <a:rPr lang="en-US" dirty="0"/>
+              <a:t>, </a:t>
+            </a:r>
+            <a:r>
+              <a:rPr lang="en-US" dirty="0" err="1"/>
+              <a:t>sk</a:t>
+            </a:r>
+            <a:r>
+              <a:rPr lang="en-US" dirty="0"/>
+              <a:t>, </a:t>
+            </a:r>
+            <a:r>
+              <a:rPr lang="en-US" dirty="0" err="1"/>
+              <a:t>chal</a:t>
+            </a:r>
+            <a:r>
+              <a:rPr lang="en-US" dirty="0"/>
+              <a:t>, V) →{“</a:t>
+            </a:r>
+            <a:r>
+              <a:rPr lang="en-US" i="1" dirty="0"/>
+              <a:t>success”, “ failure”} is run by the client in order to </a:t>
+            </a:r>
+            <a:r>
+              <a:rPr lang="en-US" i="1" dirty="0" smtClean="0"/>
+              <a:t>validate </a:t>
+            </a:r>
+            <a:r>
+              <a:rPr lang="en-US" dirty="0" smtClean="0"/>
+              <a:t>a </a:t>
+            </a:r>
+            <a:r>
+              <a:rPr lang="en-US" dirty="0"/>
+              <a:t>proof of possession. It takes as inputs a public key </a:t>
+            </a:r>
+            <a:r>
+              <a:rPr lang="en-US" dirty="0" err="1"/>
+              <a:t>pk</a:t>
+            </a:r>
+            <a:r>
+              <a:rPr lang="en-US" dirty="0"/>
+              <a:t>, a secret key </a:t>
+            </a:r>
+            <a:r>
+              <a:rPr lang="en-US" dirty="0" err="1"/>
+              <a:t>sk</a:t>
+            </a:r>
+            <a:r>
+              <a:rPr lang="en-US" dirty="0"/>
+              <a:t>, </a:t>
+            </a:r>
+            <a:r>
+              <a:rPr lang="en-US" dirty="0" smtClean="0"/>
+              <a:t>a challenge </a:t>
+            </a:r>
+            <a:r>
+              <a:rPr lang="en-US" dirty="0" err="1"/>
+              <a:t>chal</a:t>
+            </a:r>
+            <a:r>
+              <a:rPr lang="en-US" dirty="0"/>
+              <a:t>, and a proof of possession V. It returns whether V is a correct proof </a:t>
+            </a:r>
+            <a:r>
+              <a:rPr lang="en-US" dirty="0" smtClean="0"/>
+              <a:t>of possession </a:t>
+            </a:r>
+            <a:r>
+              <a:rPr lang="en-US" dirty="0"/>
+              <a:t>for the blocks determined by </a:t>
+            </a:r>
+            <a:r>
+              <a:rPr lang="en-US" dirty="0" err="1"/>
+              <a:t>chal</a:t>
+            </a:r>
+            <a:r>
+              <a:rPr lang="en-US" dirty="0"/>
+              <a:t>.</a:t>
+            </a:r>
           </a:p>
         </p:txBody>
       </p:sp>
     </p:spTree>
     <p:extLst>
       <p:ext uri="{BB962C8B-B14F-4D97-AF65-F5344CB8AC3E}">
-        <p14:creationId xmlns:p14="http://schemas.microsoft.com/office/powerpoint/2010/main" val="138685937"/>
+        <p14:creationId xmlns:p14="http://schemas.microsoft.com/office/powerpoint/2010/main" val="1804915458"/>
       </p:ext>
     </p:extLst>
   </p:cSld>
